--- a/Slides 2020/3. OSS License.pptx
+++ b/Slides 2020/3. OSS License.pptx
@@ -244,7 +244,7 @@
           <a:p>
             <a:fld id="{3A51E6CB-1B67-49CD-819C-CBD1F8F15839}" type="datetimeFigureOut">
               <a:rPr lang="ko-KR" altLang="en-US" smtClean="0"/>
-              <a:t>2020-09-17</a:t>
+              <a:t>2021-09-18</a:t>
             </a:fld>
             <a:endParaRPr lang="ko-KR" altLang="en-US"/>
           </a:p>
@@ -850,7 +850,7 @@
           <a:p>
             <a:fld id="{57185993-49E6-4096-BF26-930E741DA796}" type="datetime1">
               <a:rPr lang="ko-KR" altLang="en-US" smtClean="0"/>
-              <a:t>2020-09-17</a:t>
+              <a:t>2021-09-18</a:t>
             </a:fld>
             <a:endParaRPr lang="ko-KR" altLang="en-US"/>
           </a:p>
@@ -1020,7 +1020,7 @@
           <a:p>
             <a:fld id="{7E5363F8-22A8-407F-82B0-EFC1D1C22895}" type="datetime1">
               <a:rPr lang="ko-KR" altLang="en-US" smtClean="0"/>
-              <a:t>2020-09-17</a:t>
+              <a:t>2021-09-18</a:t>
             </a:fld>
             <a:endParaRPr lang="ko-KR" altLang="en-US"/>
           </a:p>
@@ -1200,7 +1200,7 @@
           <a:p>
             <a:fld id="{8187739B-8E74-4F06-BBD0-F6D670C1F7A1}" type="datetime1">
               <a:rPr lang="ko-KR" altLang="en-US" smtClean="0"/>
-              <a:t>2020-09-17</a:t>
+              <a:t>2021-09-18</a:t>
             </a:fld>
             <a:endParaRPr lang="ko-KR" altLang="en-US"/>
           </a:p>
@@ -1392,7 +1392,7 @@
           <a:p>
             <a:fld id="{1EA80F27-E9B9-4A8E-9A59-01CCB3F43850}" type="datetime1">
               <a:rPr lang="ko-KR" altLang="en-US" smtClean="0"/>
-              <a:t>2020-09-17</a:t>
+              <a:t>2021-09-18</a:t>
             </a:fld>
             <a:endParaRPr lang="ko-KR" altLang="en-US"/>
           </a:p>
@@ -1608,7 +1608,7 @@
           <a:p>
             <a:fld id="{947C39E4-F1C0-46F5-93CB-857C8C3AEB8D}" type="datetime1">
               <a:rPr lang="ko-KR" altLang="en-US" smtClean="0"/>
-              <a:t>2020-09-17</a:t>
+              <a:t>2021-09-18</a:t>
             </a:fld>
             <a:endParaRPr lang="ko-KR" altLang="en-US"/>
           </a:p>
@@ -1852,7 +1852,7 @@
           <a:p>
             <a:fld id="{7818271D-E6C7-4286-B2FD-D9AA53F1E428}" type="datetime1">
               <a:rPr lang="ko-KR" altLang="en-US" smtClean="0"/>
-              <a:t>2020-09-17</a:t>
+              <a:t>2021-09-18</a:t>
             </a:fld>
             <a:endParaRPr lang="ko-KR" altLang="en-US"/>
           </a:p>
@@ -2084,7 +2084,7 @@
           <a:p>
             <a:fld id="{8CE3C26B-F624-420D-BF9D-391E2E695B27}" type="datetime1">
               <a:rPr lang="ko-KR" altLang="en-US" smtClean="0"/>
-              <a:t>2020-09-17</a:t>
+              <a:t>2021-09-18</a:t>
             </a:fld>
             <a:endParaRPr lang="ko-KR" altLang="en-US"/>
           </a:p>
@@ -2451,7 +2451,7 @@
           <a:p>
             <a:fld id="{A1FC83CE-7AD5-4A20-9998-54C7F9F05545}" type="datetime1">
               <a:rPr lang="ko-KR" altLang="en-US" smtClean="0"/>
-              <a:t>2020-09-17</a:t>
+              <a:t>2021-09-18</a:t>
             </a:fld>
             <a:endParaRPr lang="ko-KR" altLang="en-US"/>
           </a:p>
@@ -2569,7 +2569,7 @@
           <a:p>
             <a:fld id="{3A3E22EA-EB96-4ADF-ABA9-A693E5F7BB1E}" type="datetime1">
               <a:rPr lang="ko-KR" altLang="en-US" smtClean="0"/>
-              <a:t>2020-09-17</a:t>
+              <a:t>2021-09-18</a:t>
             </a:fld>
             <a:endParaRPr lang="ko-KR" altLang="en-US"/>
           </a:p>
@@ -2664,7 +2664,7 @@
           <a:p>
             <a:fld id="{0D5BD961-86A8-440A-8C4E-52B6CA6FECED}" type="datetime1">
               <a:rPr lang="ko-KR" altLang="en-US" smtClean="0"/>
-              <a:t>2020-09-17</a:t>
+              <a:t>2021-09-18</a:t>
             </a:fld>
             <a:endParaRPr lang="ko-KR" altLang="en-US"/>
           </a:p>
@@ -2941,7 +2941,7 @@
           <a:p>
             <a:fld id="{CD151CC0-1347-483B-8708-01772054FA68}" type="datetime1">
               <a:rPr lang="ko-KR" altLang="en-US" smtClean="0"/>
-              <a:t>2020-09-17</a:t>
+              <a:t>2021-09-18</a:t>
             </a:fld>
             <a:endParaRPr lang="ko-KR" altLang="en-US"/>
           </a:p>
@@ -3157,7 +3157,7 @@
           <a:p>
             <a:fld id="{170798F3-F6A9-4876-8D5A-30BE2843F4A2}" type="datetime1">
               <a:rPr lang="ko-KR" altLang="en-US" smtClean="0"/>
-              <a:t>2020-09-17</a:t>
+              <a:t>2021-09-18</a:t>
             </a:fld>
             <a:endParaRPr lang="ko-KR" altLang="en-US"/>
           </a:p>
@@ -11251,7 +11251,7 @@
               <a:rPr lang="en-US" altLang="ko-KR" sz="2000" dirty="0">
                 <a:hlinkClick r:id="rId2" tooltip="새창"/>
               </a:rPr>
-              <a:t>http://www.opensource.org/licenses/lgpl-3.0.html</a:t>
+              <a:t>http://www.opensource.org/licenses/gpl-3.0.html</a:t>
             </a:r>
             <a:endParaRPr lang="ko-KR" altLang="en-US" sz="2000" dirty="0"/>
           </a:p>
